--- a/TechnicalDefense.pptx
+++ b/TechnicalDefense.pptx
@@ -9,11 +9,12 @@
     <p:sldId id="257" r:id="rId3"/>
     <p:sldId id="258" r:id="rId4"/>
     <p:sldId id="260" r:id="rId5"/>
-    <p:sldId id="263" r:id="rId6"/>
-    <p:sldId id="259" r:id="rId7"/>
-    <p:sldId id="264" r:id="rId8"/>
-    <p:sldId id="261" r:id="rId9"/>
+    <p:sldId id="267" r:id="rId6"/>
+    <p:sldId id="268" r:id="rId7"/>
+    <p:sldId id="266" r:id="rId8"/>
+    <p:sldId id="264" r:id="rId9"/>
     <p:sldId id="262" r:id="rId10"/>
+    <p:sldId id="265" r:id="rId11"/>
   </p:sldIdLst>
   <p:sldSz cx="9144000" cy="6858000" type="screen4x3"/>
   <p:notesSz cx="6858000" cy="9144000"/>
@@ -252,7 +253,7 @@
           <a:p>
             <a:fld id="{486BE3E3-8436-4601-BEAE-91FBCCFC9956}" type="datetimeFigureOut">
               <a:rPr lang="en-NZ" smtClean="0"/>
-              <a:t>9/05/2015</a:t>
+              <a:t>10/05/2015</a:t>
             </a:fld>
             <a:endParaRPr lang="en-NZ"/>
           </a:p>
@@ -1121,7 +1122,7 @@
           <a:p>
             <a:fld id="{486BE3E3-8436-4601-BEAE-91FBCCFC9956}" type="datetimeFigureOut">
               <a:rPr lang="en-NZ" smtClean="0"/>
-              <a:t>9/05/2015</a:t>
+              <a:t>10/05/2015</a:t>
             </a:fld>
             <a:endParaRPr lang="en-NZ"/>
           </a:p>
@@ -1296,7 +1297,7 @@
           <a:p>
             <a:fld id="{486BE3E3-8436-4601-BEAE-91FBCCFC9956}" type="datetimeFigureOut">
               <a:rPr lang="en-NZ" smtClean="0"/>
-              <a:t>9/05/2015</a:t>
+              <a:t>10/05/2015</a:t>
             </a:fld>
             <a:endParaRPr lang="en-NZ"/>
           </a:p>
@@ -1466,7 +1467,7 @@
           <a:p>
             <a:fld id="{486BE3E3-8436-4601-BEAE-91FBCCFC9956}" type="datetimeFigureOut">
               <a:rPr lang="en-NZ" smtClean="0"/>
-              <a:t>9/05/2015</a:t>
+              <a:t>10/05/2015</a:t>
             </a:fld>
             <a:endParaRPr lang="en-NZ"/>
           </a:p>
@@ -1676,7 +1677,7 @@
           <a:p>
             <a:fld id="{486BE3E3-8436-4601-BEAE-91FBCCFC9956}" type="datetimeFigureOut">
               <a:rPr lang="en-NZ" smtClean="0"/>
-              <a:t>9/05/2015</a:t>
+              <a:t>10/05/2015</a:t>
             </a:fld>
             <a:endParaRPr lang="en-NZ"/>
           </a:p>
@@ -2490,7 +2491,7 @@
           <a:p>
             <a:fld id="{486BE3E3-8436-4601-BEAE-91FBCCFC9956}" type="datetimeFigureOut">
               <a:rPr lang="en-NZ" smtClean="0"/>
-              <a:t>9/05/2015</a:t>
+              <a:t>10/05/2015</a:t>
             </a:fld>
             <a:endParaRPr lang="en-NZ"/>
           </a:p>
@@ -2726,7 +2727,7 @@
           <a:p>
             <a:fld id="{486BE3E3-8436-4601-BEAE-91FBCCFC9956}" type="datetimeFigureOut">
               <a:rPr lang="en-NZ" smtClean="0"/>
-              <a:t>9/05/2015</a:t>
+              <a:t>10/05/2015</a:t>
             </a:fld>
             <a:endParaRPr lang="en-NZ"/>
           </a:p>
@@ -3049,7 +3050,7 @@
           <a:p>
             <a:fld id="{486BE3E3-8436-4601-BEAE-91FBCCFC9956}" type="datetimeFigureOut">
               <a:rPr lang="en-NZ" smtClean="0"/>
-              <a:t>9/05/2015</a:t>
+              <a:t>10/05/2015</a:t>
             </a:fld>
             <a:endParaRPr lang="en-NZ"/>
           </a:p>
@@ -3139,7 +3140,7 @@
           <a:p>
             <a:fld id="{486BE3E3-8436-4601-BEAE-91FBCCFC9956}" type="datetimeFigureOut">
               <a:rPr lang="en-NZ" smtClean="0"/>
-              <a:t>9/05/2015</a:t>
+              <a:t>10/05/2015</a:t>
             </a:fld>
             <a:endParaRPr lang="en-NZ"/>
           </a:p>
@@ -3656,7 +3657,7 @@
           <a:p>
             <a:fld id="{486BE3E3-8436-4601-BEAE-91FBCCFC9956}" type="datetimeFigureOut">
               <a:rPr lang="en-NZ" smtClean="0"/>
-              <a:t>9/05/2015</a:t>
+              <a:t>10/05/2015</a:t>
             </a:fld>
             <a:endParaRPr lang="en-NZ"/>
           </a:p>
@@ -4167,7 +4168,7 @@
           <a:p>
             <a:fld id="{486BE3E3-8436-4601-BEAE-91FBCCFC9956}" type="datetimeFigureOut">
               <a:rPr lang="en-NZ" smtClean="0"/>
-              <a:t>9/05/2015</a:t>
+              <a:t>10/05/2015</a:t>
             </a:fld>
             <a:endParaRPr lang="en-NZ"/>
           </a:p>
@@ -4412,7 +4413,7 @@
           <a:p>
             <a:fld id="{486BE3E3-8436-4601-BEAE-91FBCCFC9956}" type="datetimeFigureOut">
               <a:rPr lang="en-NZ" smtClean="0"/>
-              <a:t>9/05/2015</a:t>
+              <a:t>10/05/2015</a:t>
             </a:fld>
             <a:endParaRPr lang="en-NZ"/>
           </a:p>
@@ -5076,6 +5077,78 @@
 </p:sld>
 </file>
 
+<file path=ppt/slides/slide10.xml><?xml version="1.0" encoding="utf-8"?>
+<p:sld xmlns:a="http://schemas.openxmlformats.org/drawingml/2006/main" xmlns:r="http://schemas.openxmlformats.org/officeDocument/2006/relationships" xmlns:p="http://schemas.openxmlformats.org/presentationml/2006/main">
+  <p:cSld>
+    <p:spTree>
+      <p:nvGrpSpPr>
+        <p:cNvPr id="1" name=""/>
+        <p:cNvGrpSpPr/>
+        <p:nvPr/>
+      </p:nvGrpSpPr>
+      <p:grpSpPr>
+        <a:xfrm>
+          <a:off x="0" y="0"/>
+          <a:ext cx="0" cy="0"/>
+          <a:chOff x="0" y="0"/>
+          <a:chExt cx="0" cy="0"/>
+        </a:xfrm>
+      </p:grpSpPr>
+      <p:sp>
+        <p:nvSpPr>
+          <p:cNvPr id="2" name="Title 1"/>
+          <p:cNvSpPr>
+            <a:spLocks noGrp="1"/>
+          </p:cNvSpPr>
+          <p:nvPr>
+            <p:ph type="title"/>
+          </p:nvPr>
+        </p:nvSpPr>
+        <p:spPr/>
+        <p:txBody>
+          <a:bodyPr/>
+          <a:lstStyle/>
+          <a:p>
+            <a:r>
+              <a:rPr lang="en-NZ" dirty="0" smtClean="0"/>
+              <a:t>Unknowns</a:t>
+            </a:r>
+            <a:endParaRPr lang="en-NZ" dirty="0"/>
+          </a:p>
+        </p:txBody>
+      </p:sp>
+      <p:sp>
+        <p:nvSpPr>
+          <p:cNvPr id="3" name="Content Placeholder 2"/>
+          <p:cNvSpPr>
+            <a:spLocks noGrp="1"/>
+          </p:cNvSpPr>
+          <p:nvPr>
+            <p:ph sz="quarter" idx="1"/>
+          </p:nvPr>
+        </p:nvSpPr>
+        <p:spPr/>
+        <p:txBody>
+          <a:bodyPr/>
+          <a:lstStyle/>
+          <a:p>
+            <a:endParaRPr lang="en-NZ" dirty="0"/>
+          </a:p>
+        </p:txBody>
+      </p:sp>
+    </p:spTree>
+    <p:extLst>
+      <p:ext uri="{BB962C8B-B14F-4D97-AF65-F5344CB8AC3E}">
+        <p14:creationId xmlns:p14="http://schemas.microsoft.com/office/powerpoint/2010/main" val="905968059"/>
+      </p:ext>
+    </p:extLst>
+  </p:cSld>
+  <p:clrMapOvr>
+    <a:masterClrMapping/>
+  </p:clrMapOvr>
+</p:sld>
+</file>
+
 <file path=ppt/slides/slide2.xml><?xml version="1.0" encoding="utf-8"?>
 <p:sld xmlns:a="http://schemas.openxmlformats.org/drawingml/2006/main" xmlns:r="http://schemas.openxmlformats.org/officeDocument/2006/relationships" xmlns:p="http://schemas.openxmlformats.org/presentationml/2006/main">
   <p:cSld>
@@ -5164,8 +5237,17 @@
             <a:pPr lvl="1"/>
             <a:r>
               <a:rPr lang="en-NZ" dirty="0" smtClean="0"/>
-              <a:t>BLT has addressed the problem of our clients lack of knowledge in the modern technology field.</a:t>
-            </a:r>
+              <a:t>“BLT </a:t>
+            </a:r>
+            <a:r>
+              <a:rPr lang="en-NZ" dirty="0" smtClean="0"/>
+              <a:t>has addressed the problem of our clients lack of knowledge in the modern technology field</a:t>
+            </a:r>
+            <a:r>
+              <a:rPr lang="en-NZ" dirty="0" smtClean="0"/>
+              <a:t>.”</a:t>
+            </a:r>
+            <a:endParaRPr lang="en-NZ" dirty="0" smtClean="0"/>
           </a:p>
           <a:p>
             <a:pPr lvl="1"/>
@@ -5465,10 +5547,10 @@
           <a:lstStyle/>
           <a:p>
             <a:r>
-              <a:rPr lang="en-NZ" dirty="0" smtClean="0"/>
-              <a:t>Current Interaction</a:t>
-            </a:r>
-            <a:endParaRPr lang="en-NZ" dirty="0"/>
+              <a:rPr lang="en-US" dirty="0" smtClean="0"/>
+              <a:t>Software Interaction</a:t>
+            </a:r>
+            <a:endParaRPr lang="en-US" dirty="0"/>
           </a:p>
         </p:txBody>
       </p:sp>
@@ -5487,51 +5569,24 @@
           <a:bodyPr/>
           <a:lstStyle/>
           <a:p>
-            <a:pPr lvl="1"/>
-            <a:endParaRPr lang="en-NZ" dirty="0" smtClean="0"/>
-          </a:p>
-          <a:p>
-            <a:pPr lvl="1"/>
-            <a:r>
-              <a:rPr lang="en-NZ" dirty="0" smtClean="0"/>
-              <a:t>Website</a:t>
-            </a:r>
-          </a:p>
-          <a:p>
-            <a:pPr lvl="2"/>
-            <a:r>
-              <a:rPr lang="en-NZ" dirty="0" smtClean="0"/>
-              <a:t>PHP – Fastest Option</a:t>
-            </a:r>
-          </a:p>
-          <a:p>
-            <a:pPr lvl="2"/>
-            <a:r>
-              <a:rPr lang="en-NZ" dirty="0" smtClean="0"/>
-              <a:t>MySQL Database</a:t>
-            </a:r>
-          </a:p>
-          <a:p>
-            <a:pPr lvl="2"/>
-            <a:r>
-              <a:rPr lang="en-NZ" dirty="0" smtClean="0"/>
-              <a:t>Videos are hosted externally</a:t>
-            </a:r>
-          </a:p>
-          <a:p>
-            <a:pPr lvl="2"/>
-            <a:endParaRPr lang="en-NZ" dirty="0" smtClean="0"/>
-          </a:p>
-          <a:p>
-            <a:pPr lvl="2"/>
-            <a:endParaRPr lang="en-NZ" dirty="0" smtClean="0"/>
+            <a:r>
+              <a:rPr lang="en-US" dirty="0" smtClean="0"/>
+              <a:t>No current end goal for software.</a:t>
+            </a:r>
+          </a:p>
+          <a:p>
+            <a:r>
+              <a:rPr lang="en-US" dirty="0" smtClean="0"/>
+              <a:t>Client is unfamiliar with current generation, and are unsure on what they need developed.</a:t>
+            </a:r>
+            <a:endParaRPr lang="en-US" dirty="0"/>
           </a:p>
         </p:txBody>
       </p:sp>
     </p:spTree>
     <p:extLst>
       <p:ext uri="{BB962C8B-B14F-4D97-AF65-F5344CB8AC3E}">
-        <p14:creationId xmlns:p14="http://schemas.microsoft.com/office/powerpoint/2010/main" val="3591360075"/>
+        <p14:creationId xmlns:p14="http://schemas.microsoft.com/office/powerpoint/2010/main" val="3694845790"/>
       </p:ext>
     </p:extLst>
   </p:cSld>
@@ -5575,7 +5630,7 @@
           <a:p>
             <a:r>
               <a:rPr lang="en-NZ" dirty="0" smtClean="0"/>
-              <a:t>Upcoming Interaction</a:t>
+              <a:t>Software we’re working on.</a:t>
             </a:r>
             <a:endParaRPr lang="en-NZ" dirty="0"/>
           </a:p>
@@ -5596,14 +5651,75 @@
           <a:bodyPr/>
           <a:lstStyle/>
           <a:p>
-            <a:endParaRPr lang="en-NZ" dirty="0"/>
-          </a:p>
-        </p:txBody>
-      </p:sp>
+            <a:pPr lvl="1"/>
+            <a:endParaRPr lang="en-NZ" dirty="0" smtClean="0"/>
+          </a:p>
+          <a:p>
+            <a:pPr lvl="1"/>
+            <a:r>
+              <a:rPr lang="en-NZ" dirty="0" smtClean="0"/>
+              <a:t>Website</a:t>
+            </a:r>
+          </a:p>
+          <a:p>
+            <a:pPr lvl="2"/>
+            <a:r>
+              <a:rPr lang="en-NZ" dirty="0" smtClean="0"/>
+              <a:t>PHP – Fastest Option</a:t>
+            </a:r>
+          </a:p>
+          <a:p>
+            <a:pPr lvl="2"/>
+            <a:r>
+              <a:rPr lang="en-NZ" dirty="0" smtClean="0"/>
+              <a:t>MySQL Database</a:t>
+            </a:r>
+          </a:p>
+          <a:p>
+            <a:pPr lvl="2"/>
+            <a:r>
+              <a:rPr lang="en-NZ" dirty="0" smtClean="0"/>
+              <a:t>Videos are hosted externally</a:t>
+            </a:r>
+          </a:p>
+          <a:p>
+            <a:pPr lvl="2"/>
+            <a:endParaRPr lang="en-NZ" dirty="0" smtClean="0"/>
+          </a:p>
+          <a:p>
+            <a:pPr lvl="2"/>
+            <a:endParaRPr lang="en-NZ" dirty="0" smtClean="0"/>
+          </a:p>
+        </p:txBody>
+      </p:sp>
+      <p:pic>
+        <p:nvPicPr>
+          <p:cNvPr id="4" name="Picture 3"/>
+          <p:cNvPicPr>
+            <a:picLocks noChangeAspect="1"/>
+          </p:cNvPicPr>
+          <p:nvPr/>
+        </p:nvPicPr>
+        <p:blipFill>
+          <a:blip r:embed="rId2"/>
+          <a:stretch>
+            <a:fillRect/>
+          </a:stretch>
+        </p:blipFill>
+        <p:spPr>
+          <a:xfrm>
+            <a:off x="1817694" y="3501008"/>
+            <a:ext cx="5268906" cy="2972944"/>
+          </a:xfrm>
+          <a:prstGeom prst="rect">
+            <a:avLst/>
+          </a:prstGeom>
+        </p:spPr>
+      </p:pic>
     </p:spTree>
     <p:extLst>
       <p:ext uri="{BB962C8B-B14F-4D97-AF65-F5344CB8AC3E}">
-        <p14:creationId xmlns:p14="http://schemas.microsoft.com/office/powerpoint/2010/main" val="242778187"/>
+        <p14:creationId xmlns:p14="http://schemas.microsoft.com/office/powerpoint/2010/main" val="18869994"/>
       </p:ext>
     </p:extLst>
   </p:cSld>
@@ -5647,7 +5763,7 @@
           <a:p>
             <a:r>
               <a:rPr lang="en-NZ" dirty="0" smtClean="0"/>
-              <a:t>Social Aspect</a:t>
+              <a:t>Future Software</a:t>
             </a:r>
             <a:endParaRPr lang="en-NZ" dirty="0"/>
           </a:p>
@@ -5667,6 +5783,43 @@
         <p:txBody>
           <a:bodyPr/>
           <a:lstStyle/>
+          <a:p>
+            <a:r>
+              <a:rPr lang="en-NZ" dirty="0" err="1" smtClean="0"/>
+              <a:t>Malcam</a:t>
+            </a:r>
+            <a:r>
+              <a:rPr lang="en-NZ" dirty="0" smtClean="0"/>
+              <a:t> Trust Foundation are somewhat unfamiliar with technology.</a:t>
+            </a:r>
+            <a:endParaRPr lang="en-NZ" dirty="0"/>
+          </a:p>
+          <a:p>
+            <a:pPr lvl="1"/>
+            <a:r>
+              <a:rPr lang="en-NZ" dirty="0" smtClean="0"/>
+              <a:t>Working with Cyclone to figure out exactly what client needs.</a:t>
+            </a:r>
+          </a:p>
+          <a:p>
+            <a:pPr lvl="1"/>
+            <a:endParaRPr lang="en-NZ" dirty="0" smtClean="0"/>
+          </a:p>
+          <a:p>
+            <a:r>
+              <a:rPr lang="en-NZ" dirty="0" smtClean="0"/>
+              <a:t>A system to measure success.</a:t>
+            </a:r>
+          </a:p>
+          <a:p>
+            <a:endParaRPr lang="en-NZ" dirty="0" smtClean="0"/>
+          </a:p>
+          <a:p>
+            <a:r>
+              <a:rPr lang="en-NZ" dirty="0" smtClean="0"/>
+              <a:t>Finding ways of improving current systems.</a:t>
+            </a:r>
+          </a:p>
           <a:p>
             <a:endParaRPr lang="en-NZ" dirty="0"/>
           </a:p>
@@ -5675,7 +5828,7 @@
     </p:spTree>
     <p:extLst>
       <p:ext uri="{BB962C8B-B14F-4D97-AF65-F5344CB8AC3E}">
-        <p14:creationId xmlns:p14="http://schemas.microsoft.com/office/powerpoint/2010/main" val="3068965399"/>
+        <p14:creationId xmlns:p14="http://schemas.microsoft.com/office/powerpoint/2010/main" val="3477892419"/>
       </p:ext>
     </p:extLst>
   </p:cSld>
@@ -5719,7 +5872,7 @@
           <a:p>
             <a:r>
               <a:rPr lang="en-NZ" dirty="0" smtClean="0"/>
-              <a:t>Support Structure</a:t>
+              <a:t>Social Aspect</a:t>
             </a:r>
             <a:endParaRPr lang="en-NZ" dirty="0"/>
           </a:p>
@@ -5739,6 +5892,35 @@
         <p:txBody>
           <a:bodyPr/>
           <a:lstStyle/>
+          <a:p>
+            <a:pPr lvl="0"/>
+            <a:r>
+              <a:rPr lang="en-NZ" dirty="0"/>
+              <a:t>Development role</a:t>
+            </a:r>
+          </a:p>
+          <a:p>
+            <a:pPr lvl="0"/>
+            <a:r>
+              <a:rPr lang="en-NZ" dirty="0" smtClean="0"/>
+              <a:t>Ethnography</a:t>
+            </a:r>
+            <a:endParaRPr lang="en-NZ" dirty="0"/>
+          </a:p>
+          <a:p>
+            <a:pPr lvl="0"/>
+            <a:r>
+              <a:rPr lang="en-NZ" dirty="0"/>
+              <a:t>Social processes</a:t>
+            </a:r>
+          </a:p>
+          <a:p>
+            <a:pPr lvl="0"/>
+            <a:r>
+              <a:rPr lang="en-NZ" dirty="0"/>
+              <a:t>Developing User stories</a:t>
+            </a:r>
+          </a:p>
           <a:p>
             <a:endParaRPr lang="en-NZ" dirty="0"/>
           </a:p>
@@ -5747,7 +5929,7 @@
     </p:spTree>
     <p:extLst>
       <p:ext uri="{BB962C8B-B14F-4D97-AF65-F5344CB8AC3E}">
-        <p14:creationId xmlns:p14="http://schemas.microsoft.com/office/powerpoint/2010/main" val="2239821005"/>
+        <p14:creationId xmlns:p14="http://schemas.microsoft.com/office/powerpoint/2010/main" val="3068965399"/>
       </p:ext>
     </p:extLst>
   </p:cSld>
@@ -5791,7 +5973,7 @@
           <a:p>
             <a:r>
               <a:rPr lang="en-NZ" dirty="0" smtClean="0"/>
-              <a:t>Development Pathway</a:t>
+              <a:t>MVP</a:t>
             </a:r>
             <a:endParaRPr lang="en-NZ" dirty="0"/>
           </a:p>
@@ -5812,7 +5994,15 @@
           <a:bodyPr/>
           <a:lstStyle/>
           <a:p>
-            <a:endParaRPr lang="en-NZ"/>
+            <a:r>
+              <a:rPr lang="en-NZ" dirty="0" smtClean="0"/>
+              <a:t>Minimum Viable </a:t>
+            </a:r>
+            <a:r>
+              <a:rPr lang="en-NZ" dirty="0" smtClean="0"/>
+              <a:t>Product – Working Website</a:t>
+            </a:r>
+            <a:endParaRPr lang="en-NZ" dirty="0"/>
           </a:p>
         </p:txBody>
       </p:sp>

--- a/TechnicalDefense.pptx
+++ b/TechnicalDefense.pptx
@@ -5111,31 +5111,41 @@
           <a:p>
             <a:r>
               <a:rPr lang="en-NZ" dirty="0" smtClean="0"/>
-              <a:t>Unknowns</a:t>
+              <a:t>Questions</a:t>
             </a:r>
             <a:endParaRPr lang="en-NZ" dirty="0"/>
           </a:p>
         </p:txBody>
       </p:sp>
-      <p:sp>
-        <p:nvSpPr>
-          <p:cNvPr id="3" name="Content Placeholder 2"/>
-          <p:cNvSpPr>
-            <a:spLocks noGrp="1"/>
-          </p:cNvSpPr>
+      <p:pic>
+        <p:nvPicPr>
+          <p:cNvPr id="5" name="Content Placeholder 4"/>
+          <p:cNvPicPr>
+            <a:picLocks noGrp="1" noChangeAspect="1"/>
+          </p:cNvPicPr>
           <p:nvPr>
             <p:ph sz="quarter" idx="1"/>
           </p:nvPr>
-        </p:nvSpPr>
-        <p:spPr/>
-        <p:txBody>
-          <a:bodyPr/>
-          <a:lstStyle/>
-          <a:p>
-            <a:endParaRPr lang="en-NZ" dirty="0"/>
-          </a:p>
-        </p:txBody>
-      </p:sp>
+        </p:nvPicPr>
+        <p:blipFill>
+          <a:blip r:embed="rId2" cstate="print">
+            <a:extLst>
+              <a:ext uri="{28A0092B-C50C-407E-A947-70E740481C1C}">
+                <a14:useLocalDpi xmlns:a14="http://schemas.microsoft.com/office/drawing/2010/main" val="0"/>
+              </a:ext>
+            </a:extLst>
+          </a:blip>
+          <a:stretch>
+            <a:fillRect/>
+          </a:stretch>
+        </p:blipFill>
+        <p:spPr>
+          <a:xfrm>
+            <a:off x="1691680" y="2276872"/>
+            <a:ext cx="3591272" cy="3591272"/>
+          </a:xfrm>
+        </p:spPr>
+      </p:pic>
     </p:spTree>
     <p:extLst>
       <p:ext uri="{BB962C8B-B14F-4D97-AF65-F5344CB8AC3E}">
@@ -5146,6 +5156,13 @@
   <p:clrMapOvr>
     <a:masterClrMapping/>
   </p:clrMapOvr>
+  <p:timing>
+    <p:tnLst>
+      <p:par>
+        <p:cTn id="1" dur="indefinite" restart="never" nodeType="tmRoot"/>
+      </p:par>
+    </p:tnLst>
+  </p:timing>
 </p:sld>
 </file>
 
@@ -5237,17 +5254,8 @@
             <a:pPr lvl="1"/>
             <a:r>
               <a:rPr lang="en-NZ" dirty="0" smtClean="0"/>
-              <a:t>“BLT </a:t>
-            </a:r>
-            <a:r>
-              <a:rPr lang="en-NZ" dirty="0" smtClean="0"/>
-              <a:t>has addressed the problem of our clients lack of knowledge in the modern technology field</a:t>
-            </a:r>
-            <a:r>
-              <a:rPr lang="en-NZ" dirty="0" smtClean="0"/>
-              <a:t>.”</a:t>
-            </a:r>
-            <a:endParaRPr lang="en-NZ" dirty="0" smtClean="0"/>
+              <a:t>“BLT has addressed the problem of our clients lack of knowledge in the modern technology field.”</a:t>
+            </a:r>
           </a:p>
           <a:p>
             <a:pPr lvl="1"/>
@@ -5973,7 +5981,7 @@
           <a:p>
             <a:r>
               <a:rPr lang="en-NZ" dirty="0" smtClean="0"/>
-              <a:t>MVP</a:t>
+              <a:t>Development Pathway</a:t>
             </a:r>
             <a:endParaRPr lang="en-NZ" dirty="0"/>
           </a:p>
@@ -5995,12 +6003,32 @@
           <a:lstStyle/>
           <a:p>
             <a:r>
-              <a:rPr lang="en-NZ" dirty="0" smtClean="0"/>
-              <a:t>Minimum Viable </a:t>
-            </a:r>
-            <a:r>
-              <a:rPr lang="en-NZ" dirty="0" smtClean="0"/>
-              <a:t>Product – Working Website</a:t>
+              <a:rPr lang="en-US" dirty="0"/>
+              <a:t>Minimum Viable Product</a:t>
+            </a:r>
+          </a:p>
+          <a:p>
+            <a:r>
+              <a:rPr lang="en-US" dirty="0"/>
+              <a:t>Work alongside Cyclone</a:t>
+            </a:r>
+          </a:p>
+          <a:p>
+            <a:r>
+              <a:rPr lang="en-US" dirty="0"/>
+              <a:t>Interact with users to gain a better understanding of what the clients needs</a:t>
+            </a:r>
+          </a:p>
+          <a:p>
+            <a:r>
+              <a:rPr lang="en-US" dirty="0"/>
+              <a:t>Measure success</a:t>
+            </a:r>
+          </a:p>
+          <a:p>
+            <a:r>
+              <a:rPr lang="en-US" dirty="0"/>
+              <a:t>Investigate more technical solutions for client that will help achieve their goals.</a:t>
             </a:r>
             <a:endParaRPr lang="en-NZ" dirty="0"/>
           </a:p>
